--- a/RawImageFiles/3-1-AOTFWavevectorWithRefraction.pptx
+++ b/RawImageFiles/3-1-AOTFWavevectorWithRefraction.pptx
@@ -104,6 +104,22 @@
       </a:defRPr>
     </a:lvl9pPr>
   </p:defaultTextStyle>
+  <p:extLst>
+    <p:ext uri="{EFAFB233-063F-42B5-8137-9DF3F51BA10A}">
+      <p15:sldGuideLst xmlns:p15="http://schemas.microsoft.com/office/powerpoint/2012/main">
+        <p15:guide id="1" orient="horz" pos="964">
+          <p15:clr>
+            <a:srgbClr val="A4A3A4"/>
+          </p15:clr>
+        </p15:guide>
+        <p15:guide id="2" pos="1327">
+          <p15:clr>
+            <a:srgbClr val="A4A3A4"/>
+          </p15:clr>
+        </p15:guide>
+      </p15:sldGuideLst>
+    </p:ext>
+  </p:extLst>
 </p:presentation>
 </file>
 
@@ -288,7 +304,7 @@
           <a:p>
             <a:fld id="{A8ABE142-D783-4355-8297-24F10E2CF962}" type="datetimeFigureOut">
               <a:rPr lang="en-CA" smtClean="0"/>
-              <a:t>17/12/2012</a:t>
+              <a:t>07/05/2015</a:t>
             </a:fld>
             <a:endParaRPr lang="en-CA"/>
           </a:p>
@@ -458,7 +474,7 @@
           <a:p>
             <a:fld id="{A8ABE142-D783-4355-8297-24F10E2CF962}" type="datetimeFigureOut">
               <a:rPr lang="en-CA" smtClean="0"/>
-              <a:t>17/12/2012</a:t>
+              <a:t>07/05/2015</a:t>
             </a:fld>
             <a:endParaRPr lang="en-CA"/>
           </a:p>
@@ -638,7 +654,7 @@
           <a:p>
             <a:fld id="{A8ABE142-D783-4355-8297-24F10E2CF962}" type="datetimeFigureOut">
               <a:rPr lang="en-CA" smtClean="0"/>
-              <a:t>17/12/2012</a:t>
+              <a:t>07/05/2015</a:t>
             </a:fld>
             <a:endParaRPr lang="en-CA"/>
           </a:p>
@@ -808,7 +824,7 @@
           <a:p>
             <a:fld id="{A8ABE142-D783-4355-8297-24F10E2CF962}" type="datetimeFigureOut">
               <a:rPr lang="en-CA" smtClean="0"/>
-              <a:t>17/12/2012</a:t>
+              <a:t>07/05/2015</a:t>
             </a:fld>
             <a:endParaRPr lang="en-CA"/>
           </a:p>
@@ -1054,7 +1070,7 @@
           <a:p>
             <a:fld id="{A8ABE142-D783-4355-8297-24F10E2CF962}" type="datetimeFigureOut">
               <a:rPr lang="en-CA" smtClean="0"/>
-              <a:t>17/12/2012</a:t>
+              <a:t>07/05/2015</a:t>
             </a:fld>
             <a:endParaRPr lang="en-CA"/>
           </a:p>
@@ -1342,7 +1358,7 @@
           <a:p>
             <a:fld id="{A8ABE142-D783-4355-8297-24F10E2CF962}" type="datetimeFigureOut">
               <a:rPr lang="en-CA" smtClean="0"/>
-              <a:t>17/12/2012</a:t>
+              <a:t>07/05/2015</a:t>
             </a:fld>
             <a:endParaRPr lang="en-CA"/>
           </a:p>
@@ -1764,7 +1780,7 @@
           <a:p>
             <a:fld id="{A8ABE142-D783-4355-8297-24F10E2CF962}" type="datetimeFigureOut">
               <a:rPr lang="en-CA" smtClean="0"/>
-              <a:t>17/12/2012</a:t>
+              <a:t>07/05/2015</a:t>
             </a:fld>
             <a:endParaRPr lang="en-CA"/>
           </a:p>
@@ -1882,7 +1898,7 @@
           <a:p>
             <a:fld id="{A8ABE142-D783-4355-8297-24F10E2CF962}" type="datetimeFigureOut">
               <a:rPr lang="en-CA" smtClean="0"/>
-              <a:t>17/12/2012</a:t>
+              <a:t>07/05/2015</a:t>
             </a:fld>
             <a:endParaRPr lang="en-CA"/>
           </a:p>
@@ -1977,7 +1993,7 @@
           <a:p>
             <a:fld id="{A8ABE142-D783-4355-8297-24F10E2CF962}" type="datetimeFigureOut">
               <a:rPr lang="en-CA" smtClean="0"/>
-              <a:t>17/12/2012</a:t>
+              <a:t>07/05/2015</a:t>
             </a:fld>
             <a:endParaRPr lang="en-CA"/>
           </a:p>
@@ -2254,7 +2270,7 @@
           <a:p>
             <a:fld id="{A8ABE142-D783-4355-8297-24F10E2CF962}" type="datetimeFigureOut">
               <a:rPr lang="en-CA" smtClean="0"/>
-              <a:t>17/12/2012</a:t>
+              <a:t>07/05/2015</a:t>
             </a:fld>
             <a:endParaRPr lang="en-CA"/>
           </a:p>
@@ -2507,7 +2523,7 @@
           <a:p>
             <a:fld id="{A8ABE142-D783-4355-8297-24F10E2CF962}" type="datetimeFigureOut">
               <a:rPr lang="en-CA" smtClean="0"/>
-              <a:t>17/12/2012</a:t>
+              <a:t>07/05/2015</a:t>
             </a:fld>
             <a:endParaRPr lang="en-CA"/>
           </a:p>
@@ -2720,7 +2736,7 @@
           <a:p>
             <a:fld id="{A8ABE142-D783-4355-8297-24F10E2CF962}" type="datetimeFigureOut">
               <a:rPr lang="en-CA" smtClean="0"/>
-              <a:t>17/12/2012</a:t>
+              <a:t>07/05/2015</a:t>
             </a:fld>
             <a:endParaRPr lang="en-CA"/>
           </a:p>
@@ -3215,8 +3231,8 @@
         </p:nvSpPr>
         <p:spPr>
           <a:xfrm>
-            <a:off x="2892960" y="541727"/>
-            <a:ext cx="258404" cy="276999"/>
+            <a:off x="2874028" y="545738"/>
+            <a:ext cx="269626" cy="276999"/>
           </a:xfrm>
           <a:prstGeom prst="rect">
             <a:avLst/>
@@ -3230,10 +3246,16 @@
           <a:lstStyle/>
           <a:p>
             <a:r>
-              <a:rPr lang="el-GR" sz="1200" b="1" dirty="0" smtClean="0"/>
+              <a:rPr lang="el-GR" sz="1200" b="1" dirty="0" smtClean="0">
+                <a:latin typeface="Times New Roman" panose="02020603050405020304" pitchFamily="18" charset="0"/>
+                <a:cs typeface="Times New Roman" panose="02020603050405020304" pitchFamily="18" charset="0"/>
+              </a:rPr>
               <a:t>κ</a:t>
             </a:r>
-            <a:endParaRPr lang="en-CA" sz="1200" b="1" dirty="0"/>
+            <a:endParaRPr lang="en-CA" sz="1200" b="1" dirty="0">
+              <a:latin typeface="Times New Roman" panose="02020603050405020304" pitchFamily="18" charset="0"/>
+              <a:cs typeface="Times New Roman" panose="02020603050405020304" pitchFamily="18" charset="0"/>
+            </a:endParaRPr>
           </a:p>
         </p:txBody>
       </p:sp>
@@ -3294,14 +3316,23 @@
           <a:lstStyle/>
           <a:p>
             <a:r>
-              <a:rPr lang="en-CA" sz="1200" b="1" dirty="0" smtClean="0"/>
+              <a:rPr lang="en-CA" sz="1200" b="1" dirty="0" smtClean="0">
+                <a:latin typeface="Times New Roman" panose="02020603050405020304" pitchFamily="18" charset="0"/>
+                <a:cs typeface="Times New Roman" panose="02020603050405020304" pitchFamily="18" charset="0"/>
+              </a:rPr>
               <a:t>k</a:t>
             </a:r>
             <a:r>
-              <a:rPr lang="en-CA" sz="1200" b="1" baseline="-25000" dirty="0" smtClean="0"/>
+              <a:rPr lang="en-CA" sz="1200" i="1" baseline="-25000" dirty="0" smtClean="0">
+                <a:latin typeface="Times New Roman" panose="02020603050405020304" pitchFamily="18" charset="0"/>
+                <a:cs typeface="Times New Roman" panose="02020603050405020304" pitchFamily="18" charset="0"/>
+              </a:rPr>
               <a:t>d</a:t>
             </a:r>
-            <a:endParaRPr lang="en-CA" sz="1200" b="1" baseline="-25000" dirty="0"/>
+            <a:endParaRPr lang="en-CA" sz="1200" i="1" baseline="-25000" dirty="0">
+              <a:latin typeface="Times New Roman" panose="02020603050405020304" pitchFamily="18" charset="0"/>
+              <a:cs typeface="Times New Roman" panose="02020603050405020304" pitchFamily="18" charset="0"/>
+            </a:endParaRPr>
           </a:p>
         </p:txBody>
       </p:sp>
@@ -3369,14 +3400,23 @@
           <a:lstStyle/>
           <a:p>
             <a:r>
-              <a:rPr lang="el-GR" sz="1200" dirty="0" smtClean="0"/>
+              <a:rPr lang="el-GR" sz="1200" dirty="0" smtClean="0">
+                <a:latin typeface="Times New Roman" panose="02020603050405020304" pitchFamily="18" charset="0"/>
+                <a:cs typeface="Times New Roman" panose="02020603050405020304" pitchFamily="18" charset="0"/>
+              </a:rPr>
               <a:t>θ</a:t>
             </a:r>
             <a:r>
-              <a:rPr lang="en-CA" sz="1200" baseline="-25000" dirty="0" smtClean="0"/>
+              <a:rPr lang="en-CA" sz="1200" i="1" baseline="-25000" dirty="0" smtClean="0">
+                <a:latin typeface="Times New Roman" panose="02020603050405020304" pitchFamily="18" charset="0"/>
+                <a:cs typeface="Times New Roman" panose="02020603050405020304" pitchFamily="18" charset="0"/>
+              </a:rPr>
               <a:t>d</a:t>
             </a:r>
-            <a:endParaRPr lang="en-CA" sz="1200" baseline="-25000" dirty="0"/>
+            <a:endParaRPr lang="en-CA" sz="1200" i="1" baseline="-25000" dirty="0">
+              <a:latin typeface="Times New Roman" panose="02020603050405020304" pitchFamily="18" charset="0"/>
+              <a:cs typeface="Times New Roman" panose="02020603050405020304" pitchFamily="18" charset="0"/>
+            </a:endParaRPr>
           </a:p>
         </p:txBody>
       </p:sp>
@@ -3403,14 +3443,23 @@
           <a:lstStyle/>
           <a:p>
             <a:r>
-              <a:rPr lang="el-GR" sz="1200" dirty="0" smtClean="0"/>
+              <a:rPr lang="el-GR" sz="1200" dirty="0" smtClean="0">
+                <a:latin typeface="Times New Roman" panose="02020603050405020304" pitchFamily="18" charset="0"/>
+                <a:cs typeface="Times New Roman" panose="02020603050405020304" pitchFamily="18" charset="0"/>
+              </a:rPr>
               <a:t>θ</a:t>
             </a:r>
             <a:r>
-              <a:rPr lang="en-CA" sz="1200" b="1" baseline="-25000" dirty="0" smtClean="0"/>
+              <a:rPr lang="en-CA" sz="1200" i="1" baseline="-25000" dirty="0" smtClean="0">
+                <a:latin typeface="Times New Roman" panose="02020603050405020304" pitchFamily="18" charset="0"/>
+                <a:cs typeface="Times New Roman" panose="02020603050405020304" pitchFamily="18" charset="0"/>
+              </a:rPr>
               <a:t>i</a:t>
             </a:r>
-            <a:endParaRPr lang="en-CA" sz="1200" b="1" baseline="-25000" dirty="0"/>
+            <a:endParaRPr lang="en-CA" sz="1200" i="1" baseline="-25000" dirty="0">
+              <a:latin typeface="Times New Roman" panose="02020603050405020304" pitchFamily="18" charset="0"/>
+              <a:cs typeface="Times New Roman" panose="02020603050405020304" pitchFamily="18" charset="0"/>
+            </a:endParaRPr>
           </a:p>
         </p:txBody>
       </p:sp>
@@ -3472,6 +3521,7 @@
           <a:ln>
             <a:tailEnd type="arrow" w="sm" len="sm"/>
           </a:ln>
+          <a:effectLst/>
         </p:spPr>
         <p:style>
           <a:lnRef idx="2">
@@ -3505,6 +3555,7 @@
           <a:ln>
             <a:tailEnd type="arrow" w="sm" len="sm"/>
           </a:ln>
+          <a:effectLst/>
         </p:spPr>
         <p:style>
           <a:lnRef idx="2">
@@ -3539,6 +3590,7 @@
             <a:headEnd type="none" w="med" len="med"/>
             <a:tailEnd type="arrow" w="sm" len="sm"/>
           </a:ln>
+          <a:effectLst/>
         </p:spPr>
         <p:style>
           <a:lnRef idx="2">
@@ -3578,14 +3630,23 @@
           <a:lstStyle/>
           <a:p>
             <a:r>
-              <a:rPr lang="en-CA" sz="1200" b="1" dirty="0" err="1" smtClean="0"/>
+              <a:rPr lang="en-CA" sz="1200" b="1" dirty="0" err="1" smtClean="0">
+                <a:latin typeface="Times New Roman" panose="02020603050405020304" pitchFamily="18" charset="0"/>
+                <a:cs typeface="Times New Roman" panose="02020603050405020304" pitchFamily="18" charset="0"/>
+              </a:rPr>
               <a:t>k</a:t>
             </a:r>
             <a:r>
-              <a:rPr lang="en-CA" sz="1200" b="1" baseline="-25000" dirty="0" err="1"/>
+              <a:rPr lang="en-CA" sz="1200" i="1" baseline="-25000" dirty="0" err="1">
+                <a:latin typeface="Times New Roman" panose="02020603050405020304" pitchFamily="18" charset="0"/>
+                <a:cs typeface="Times New Roman" panose="02020603050405020304" pitchFamily="18" charset="0"/>
+              </a:rPr>
               <a:t>i</a:t>
             </a:r>
-            <a:endParaRPr lang="en-CA" sz="1200" b="1" baseline="-25000" dirty="0"/>
+            <a:endParaRPr lang="en-CA" sz="1200" i="1" baseline="-25000" dirty="0">
+              <a:latin typeface="Times New Roman" panose="02020603050405020304" pitchFamily="18" charset="0"/>
+              <a:cs typeface="Times New Roman" panose="02020603050405020304" pitchFamily="18" charset="0"/>
+            </a:endParaRPr>
           </a:p>
         </p:txBody>
       </p:sp>
@@ -3597,8 +3658,8 @@
         </p:nvSpPr>
         <p:spPr>
           <a:xfrm>
-            <a:off x="1493180" y="-60586"/>
-            <a:ext cx="915251" cy="276999"/>
+            <a:off x="1266279" y="-64617"/>
+            <a:ext cx="1370440" cy="276999"/>
           </a:xfrm>
           <a:prstGeom prst="rect">
             <a:avLst/>
@@ -3612,10 +3673,23 @@
           <a:lstStyle/>
           <a:p>
             <a:r>
-              <a:rPr lang="en-CA" sz="1200" dirty="0" smtClean="0"/>
-              <a:t>Optical Axis</a:t>
-            </a:r>
-            <a:endParaRPr lang="en-CA" sz="1200" dirty="0"/>
+              <a:rPr lang="en-CA" sz="1200" dirty="0" smtClean="0">
+                <a:latin typeface="Times New Roman" panose="02020603050405020304" pitchFamily="18" charset="0"/>
+                <a:cs typeface="Times New Roman" panose="02020603050405020304" pitchFamily="18" charset="0"/>
+              </a:rPr>
+              <a:t>Optical </a:t>
+            </a:r>
+            <a:r>
+              <a:rPr lang="en-CA" sz="1200" dirty="0" smtClean="0">
+                <a:latin typeface="Times New Roman" panose="02020603050405020304" pitchFamily="18" charset="0"/>
+                <a:cs typeface="Times New Roman" panose="02020603050405020304" pitchFamily="18" charset="0"/>
+              </a:rPr>
+              <a:t>Axis [0 01]</a:t>
+            </a:r>
+            <a:endParaRPr lang="en-CA" sz="1200" dirty="0">
+              <a:latin typeface="Times New Roman" panose="02020603050405020304" pitchFamily="18" charset="0"/>
+              <a:cs typeface="Times New Roman" panose="02020603050405020304" pitchFamily="18" charset="0"/>
+            </a:endParaRPr>
           </a:p>
         </p:txBody>
       </p:sp>
@@ -3642,14 +3716,23 @@
           <a:lstStyle/>
           <a:p>
             <a:r>
-              <a:rPr lang="en-CA" sz="1200" b="1" dirty="0" err="1" smtClean="0"/>
+              <a:rPr lang="en-CA" sz="1200" b="1" dirty="0" err="1" smtClean="0">
+                <a:latin typeface="Times New Roman" panose="02020603050405020304" pitchFamily="18" charset="0"/>
+                <a:cs typeface="Times New Roman" panose="02020603050405020304" pitchFamily="18" charset="0"/>
+              </a:rPr>
               <a:t>k</a:t>
             </a:r>
             <a:r>
-              <a:rPr lang="en-CA" sz="1200" b="1" baseline="-25000" dirty="0" err="1"/>
+              <a:rPr lang="en-CA" sz="1200" i="1" baseline="-25000" dirty="0" err="1">
+                <a:latin typeface="Times New Roman" panose="02020603050405020304" pitchFamily="18" charset="0"/>
+                <a:cs typeface="Times New Roman" panose="02020603050405020304" pitchFamily="18" charset="0"/>
+              </a:rPr>
               <a:t>o</a:t>
             </a:r>
-            <a:endParaRPr lang="en-CA" sz="1200" b="1" baseline="-25000" dirty="0"/>
+            <a:endParaRPr lang="en-CA" sz="1200" i="1" baseline="-25000" dirty="0">
+              <a:latin typeface="Times New Roman" panose="02020603050405020304" pitchFamily="18" charset="0"/>
+              <a:cs typeface="Times New Roman" panose="02020603050405020304" pitchFamily="18" charset="0"/>
+            </a:endParaRPr>
           </a:p>
         </p:txBody>
       </p:sp>
@@ -3676,14 +3759,23 @@
           <a:lstStyle/>
           <a:p>
             <a:r>
-              <a:rPr lang="en-CA" sz="1200" b="1" dirty="0" err="1" smtClean="0"/>
+              <a:rPr lang="en-CA" sz="1200" b="1" dirty="0" err="1" smtClean="0">
+                <a:latin typeface="Times New Roman" panose="02020603050405020304" pitchFamily="18" charset="0"/>
+                <a:cs typeface="Times New Roman" panose="02020603050405020304" pitchFamily="18" charset="0"/>
+              </a:rPr>
               <a:t>k</a:t>
             </a:r>
             <a:r>
-              <a:rPr lang="en-CA" sz="1200" b="1" baseline="-25000" dirty="0" err="1" smtClean="0"/>
+              <a:rPr lang="en-CA" sz="1200" i="1" baseline="-25000" dirty="0" err="1" smtClean="0">
+                <a:latin typeface="Times New Roman" panose="02020603050405020304" pitchFamily="18" charset="0"/>
+                <a:cs typeface="Times New Roman" panose="02020603050405020304" pitchFamily="18" charset="0"/>
+              </a:rPr>
               <a:t>e</a:t>
             </a:r>
-            <a:endParaRPr lang="en-CA" sz="1200" b="1" baseline="-25000" dirty="0"/>
+            <a:endParaRPr lang="en-CA" sz="1200" i="1" baseline="-25000" dirty="0">
+              <a:latin typeface="Times New Roman" panose="02020603050405020304" pitchFamily="18" charset="0"/>
+              <a:cs typeface="Times New Roman" panose="02020603050405020304" pitchFamily="18" charset="0"/>
+            </a:endParaRPr>
           </a:p>
         </p:txBody>
       </p:sp>
@@ -3811,10 +3903,16 @@
           <a:lstStyle/>
           <a:p>
             <a:r>
-              <a:rPr lang="el-GR" sz="1200" dirty="0" smtClean="0"/>
+              <a:rPr lang="el-GR" sz="1200" dirty="0" smtClean="0">
+                <a:latin typeface="Times New Roman" panose="02020603050405020304" pitchFamily="18" charset="0"/>
+                <a:cs typeface="Times New Roman" panose="02020603050405020304" pitchFamily="18" charset="0"/>
+              </a:rPr>
               <a:t>α</a:t>
             </a:r>
-            <a:endParaRPr lang="en-CA" sz="1200" baseline="-25000" dirty="0"/>
+            <a:endParaRPr lang="en-CA" sz="1200" baseline="-25000" dirty="0">
+              <a:latin typeface="Times New Roman" panose="02020603050405020304" pitchFamily="18" charset="0"/>
+              <a:cs typeface="Times New Roman" panose="02020603050405020304" pitchFamily="18" charset="0"/>
+            </a:endParaRPr>
           </a:p>
         </p:txBody>
       </p:sp>
@@ -3851,6 +3949,42 @@
           </a:fontRef>
         </p:style>
       </p:cxnSp>
+      <p:sp>
+        <p:nvSpPr>
+          <p:cNvPr id="24" name="TextBox 23"/>
+          <p:cNvSpPr txBox="1"/>
+          <p:nvPr/>
+        </p:nvSpPr>
+        <p:spPr>
+          <a:xfrm>
+            <a:off x="3633518" y="1334262"/>
+            <a:ext cx="595035" cy="276999"/>
+          </a:xfrm>
+          <a:prstGeom prst="rect">
+            <a:avLst/>
+          </a:prstGeom>
+          <a:noFill/>
+        </p:spPr>
+        <p:txBody>
+          <a:bodyPr wrap="none" rtlCol="0">
+            <a:spAutoFit/>
+          </a:bodyPr>
+          <a:lstStyle/>
+          <a:p>
+            <a:r>
+              <a:rPr lang="en-CA" sz="1200" dirty="0" smtClean="0">
+                <a:latin typeface="Times New Roman" panose="02020603050405020304" pitchFamily="18" charset="0"/>
+                <a:cs typeface="Times New Roman" panose="02020603050405020304" pitchFamily="18" charset="0"/>
+              </a:rPr>
+              <a:t>[1 1 0]</a:t>
+            </a:r>
+            <a:endParaRPr lang="en-CA" sz="1200" dirty="0">
+              <a:latin typeface="Times New Roman" panose="02020603050405020304" pitchFamily="18" charset="0"/>
+              <a:cs typeface="Times New Roman" panose="02020603050405020304" pitchFamily="18" charset="0"/>
+            </a:endParaRPr>
+          </a:p>
+        </p:txBody>
+      </p:sp>
     </p:spTree>
     <p:extLst>
       <p:ext uri="{BB962C8B-B14F-4D97-AF65-F5344CB8AC3E}">
